--- a/Introduction to Machine Learning.pptx
+++ b/Introduction to Machine Learning.pptx
@@ -16,7 +16,8 @@
     <p:sldId id="270" r:id="rId10"/>
     <p:sldId id="271" r:id="rId11"/>
     <p:sldId id="272" r:id="rId12"/>
-    <p:sldId id="262" r:id="rId13"/>
+    <p:sldId id="273" r:id="rId13"/>
+    <p:sldId id="262" r:id="rId14"/>
   </p:sldIdLst>
   <p:sldSz cx="12192000" cy="6858000"/>
   <p:notesSz cx="6858000" cy="9144000"/>
@@ -411,7 +412,7 @@
             <a:fld id="{08B9EBBA-996F-894A-B54A-D6246ED52CEA}" type="datetimeFigureOut">
               <a:rPr lang="en-US" dirty="0"/>
               <a:pPr/>
-              <a:t>11/12/2019</a:t>
+              <a:t>11/14/2019</a:t>
             </a:fld>
             <a:endParaRPr lang="en-US" dirty="0"/>
           </a:p>
@@ -726,7 +727,7 @@
             <a:fld id="{18C79C5D-2A6F-F04D-97DA-BEF2467B64E4}" type="datetimeFigureOut">
               <a:rPr lang="en-US" dirty="0"/>
               <a:pPr/>
-              <a:t>11/12/2019</a:t>
+              <a:t>11/14/2019</a:t>
             </a:fld>
             <a:endParaRPr lang="en-US" dirty="0"/>
           </a:p>
@@ -1211,7 +1212,7 @@
             <a:fld id="{8DFA1846-DA80-1C48-A609-854EA85C59AD}" type="datetimeFigureOut">
               <a:rPr lang="en-US" dirty="0"/>
               <a:pPr/>
-              <a:t>11/12/2019</a:t>
+              <a:t>11/14/2019</a:t>
             </a:fld>
             <a:endParaRPr lang="en-US" dirty="0"/>
           </a:p>
@@ -1577,7 +1578,7 @@
             <a:fld id="{FBF54567-0DE4-3F47-BF90-CB84690072F9}" type="datetimeFigureOut">
               <a:rPr lang="en-US" dirty="0"/>
               <a:pPr/>
-              <a:t>11/12/2019</a:t>
+              <a:t>11/14/2019</a:t>
             </a:fld>
             <a:endParaRPr lang="en-US" dirty="0"/>
           </a:p>
@@ -1847,7 +1848,7 @@
             <a:fld id="{C6C52C72-DE31-F449-A4ED-4C594FD91407}" type="datetimeFigureOut">
               <a:rPr lang="en-US" dirty="0"/>
               <a:pPr/>
-              <a:t>11/12/2019</a:t>
+              <a:t>11/14/2019</a:t>
             </a:fld>
             <a:endParaRPr lang="en-US" dirty="0"/>
           </a:p>
@@ -2129,7 +2130,7 @@
             <a:fld id="{ED62726E-379B-B349-9EED-81ED093FA806}" type="datetimeFigureOut">
               <a:rPr lang="en-US" dirty="0"/>
               <a:pPr/>
-              <a:t>11/12/2019</a:t>
+              <a:t>11/14/2019</a:t>
             </a:fld>
             <a:endParaRPr lang="en-US" dirty="0"/>
           </a:p>
@@ -2409,7 +2410,7 @@
             <a:fld id="{9B3A1323-8D79-1946-B0D7-40001CF92E9D}" type="datetimeFigureOut">
               <a:rPr lang="en-US" dirty="0"/>
               <a:pPr/>
-              <a:t>11/12/2019</a:t>
+              <a:t>11/14/2019</a:t>
             </a:fld>
             <a:endParaRPr lang="en-US" dirty="0"/>
           </a:p>
@@ -2749,7 +2750,7 @@
             <a:fld id="{8DFA1846-DA80-1C48-A609-854EA85C59AD}" type="datetimeFigureOut">
               <a:rPr lang="en-US" dirty="0"/>
               <a:pPr/>
-              <a:t>11/12/2019</a:t>
+              <a:t>11/14/2019</a:t>
             </a:fld>
             <a:endParaRPr lang="en-US" dirty="0"/>
           </a:p>
@@ -3085,7 +3086,7 @@
             <a:fld id="{57302355-E14B-8545-A8F8-0FE83CC9D524}" type="datetimeFigureOut">
               <a:rPr lang="en-US" dirty="0"/>
               <a:pPr/>
-              <a:t>11/12/2019</a:t>
+              <a:t>11/14/2019</a:t>
             </a:fld>
             <a:endParaRPr lang="en-US" dirty="0"/>
           </a:p>
@@ -3559,7 +3560,7 @@
             <a:fld id="{02640F58-564D-2B4F-AE67-E407BA4FCF45}" type="datetimeFigureOut">
               <a:rPr lang="en-US" dirty="0"/>
               <a:pPr/>
-              <a:t>11/12/2019</a:t>
+              <a:t>11/14/2019</a:t>
             </a:fld>
             <a:endParaRPr lang="en-US" dirty="0"/>
           </a:p>
@@ -3777,7 +3778,7 @@
             <a:fld id="{F13A34C8-038E-2045-AF43-DF7DBB8E0E9E}" type="datetimeFigureOut">
               <a:rPr lang="en-US" dirty="0"/>
               <a:pPr/>
-              <a:t>11/12/2019</a:t>
+              <a:t>11/14/2019</a:t>
             </a:fld>
             <a:endParaRPr lang="en-US" dirty="0"/>
           </a:p>
@@ -3869,7 +3870,7 @@
             <a:fld id="{8818C68F-D26B-8F47-958C-23B49CF8A634}" type="datetimeFigureOut">
               <a:rPr lang="en-US" dirty="0"/>
               <a:pPr/>
-              <a:t>11/12/2019</a:t>
+              <a:t>11/14/2019</a:t>
             </a:fld>
             <a:endParaRPr lang="en-US" dirty="0"/>
           </a:p>
@@ -4333,7 +4334,7 @@
             <a:fld id="{D0DF5E60-9974-AC48-9591-99C2BB44B7CF}" type="datetimeFigureOut">
               <a:rPr lang="en-US" dirty="0"/>
               <a:pPr/>
-              <a:t>11/12/2019</a:t>
+              <a:t>11/14/2019</a:t>
             </a:fld>
             <a:endParaRPr lang="en-US" dirty="0"/>
           </a:p>
@@ -4643,7 +4644,7 @@
             <a:fld id="{18C79C5D-2A6F-F04D-97DA-BEF2467B64E4}" type="datetimeFigureOut">
               <a:rPr lang="en-US" dirty="0"/>
               <a:pPr/>
-              <a:t>11/12/2019</a:t>
+              <a:t>11/14/2019</a:t>
             </a:fld>
             <a:endParaRPr lang="en-US" dirty="0"/>
           </a:p>
@@ -4910,7 +4911,7 @@
             <a:fld id="{09B482E8-6E0E-1B4F-B1FD-C69DB9E858D9}" type="datetimeFigureOut">
               <a:rPr lang="en-US" dirty="0"/>
               <a:pPr/>
-              <a:t>11/12/2019</a:t>
+              <a:t>11/14/2019</a:t>
             </a:fld>
             <a:endParaRPr lang="en-US" dirty="0"/>
           </a:p>
@@ -5403,17 +5404,49 @@
         <p:spPr>
           <a:xfrm>
             <a:off x="1444487" y="5408853"/>
-            <a:ext cx="10056784" cy="434974"/>
+            <a:ext cx="10056784" cy="952190"/>
           </a:xfrm>
         </p:spPr>
         <p:txBody>
-          <a:bodyPr/>
-          <a:lstStyle/>
+          <a:bodyPr>
+            <a:normAutofit/>
+          </a:bodyPr>
+          <a:lstStyle/>
+          <a:p>
+            <a:r>
+              <a:rPr lang="en-US" b="1" dirty="0"/>
+              <a:t>CHESHTA KWATRA</a:t>
+            </a:r>
+          </a:p>
           <a:p>
             <a:r>
               <a:rPr lang="en-US" dirty="0"/>
-              <a:t>Cheshta Kwatra</a:t>
-            </a:r>
+              <a:t>GCI’19 Mentor @ </a:t>
+            </a:r>
+            <a:r>
+              <a:rPr lang="en-US" dirty="0" err="1"/>
+              <a:t>Systers</a:t>
+            </a:r>
+            <a:r>
+              <a:rPr lang="en-US" dirty="0"/>
+              <a:t>, Mentor at </a:t>
+            </a:r>
+            <a:r>
+              <a:rPr lang="en-US" dirty="0" err="1"/>
+              <a:t>WooTech</a:t>
+            </a:r>
+            <a:r>
+              <a:rPr lang="en-US" dirty="0"/>
+              <a:t>, Upcoming Technology Analyst at </a:t>
+            </a:r>
+            <a:r>
+              <a:rPr lang="en-US" dirty="0" err="1"/>
+              <a:t>CitiBank</a:t>
+            </a:r>
+            <a:endParaRPr lang="en-US" dirty="0"/>
+          </a:p>
+          <a:p>
+            <a:endParaRPr lang="en-US" b="1" dirty="0"/>
           </a:p>
         </p:txBody>
       </p:sp>
@@ -5799,6 +5832,97 @@
 </file>
 
 <file path=ppt/slides/slide12.xml><?xml version="1.0" encoding="utf-8"?>
+<p:sld xmlns:a="http://schemas.openxmlformats.org/drawingml/2006/main" xmlns:r="http://schemas.openxmlformats.org/officeDocument/2006/relationships" xmlns:p="http://schemas.openxmlformats.org/presentationml/2006/main">
+  <p:cSld>
+    <p:spTree>
+      <p:nvGrpSpPr>
+        <p:cNvPr id="1" name=""/>
+        <p:cNvGrpSpPr/>
+        <p:nvPr/>
+      </p:nvGrpSpPr>
+      <p:grpSpPr>
+        <a:xfrm>
+          <a:off x="0" y="0"/>
+          <a:ext cx="0" cy="0"/>
+          <a:chOff x="0" y="0"/>
+          <a:chExt cx="0" cy="0"/>
+        </a:xfrm>
+      </p:grpSpPr>
+      <p:sp>
+        <p:nvSpPr>
+          <p:cNvPr id="2" name="Title 1">
+            <a:extLst>
+              <a:ext uri="{FF2B5EF4-FFF2-40B4-BE49-F238E27FC236}">
+                <a16:creationId xmlns:a16="http://schemas.microsoft.com/office/drawing/2014/main" id="{6CD66758-21DA-42EB-9F15-2A3E5EEC8EE9}"/>
+              </a:ext>
+            </a:extLst>
+          </p:cNvPr>
+          <p:cNvSpPr>
+            <a:spLocks noGrp="1"/>
+          </p:cNvSpPr>
+          <p:nvPr>
+            <p:ph type="title"/>
+          </p:nvPr>
+        </p:nvSpPr>
+        <p:spPr/>
+        <p:txBody>
+          <a:bodyPr/>
+          <a:lstStyle/>
+          <a:p>
+            <a:r>
+              <a:rPr lang="en-US" dirty="0"/>
+              <a:t>We’re </a:t>
+            </a:r>
+            <a:r>
+              <a:rPr lang="en-US" dirty="0" err="1"/>
+              <a:t>gonna</a:t>
+            </a:r>
+            <a:r>
+              <a:rPr lang="en-US" dirty="0"/>
+              <a:t> predict the air quality!</a:t>
+            </a:r>
+          </a:p>
+        </p:txBody>
+      </p:sp>
+      <p:sp>
+        <p:nvSpPr>
+          <p:cNvPr id="3" name="Content Placeholder 2">
+            <a:extLst>
+              <a:ext uri="{FF2B5EF4-FFF2-40B4-BE49-F238E27FC236}">
+                <a16:creationId xmlns:a16="http://schemas.microsoft.com/office/drawing/2014/main" id="{8D67F3C8-B2DA-41DA-B4D9-1656C3BFBEA6}"/>
+              </a:ext>
+            </a:extLst>
+          </p:cNvPr>
+          <p:cNvSpPr>
+            <a:spLocks noGrp="1"/>
+          </p:cNvSpPr>
+          <p:nvPr>
+            <p:ph idx="1"/>
+          </p:nvPr>
+        </p:nvSpPr>
+        <p:spPr/>
+        <p:txBody>
+          <a:bodyPr/>
+          <a:lstStyle/>
+          <a:p>
+            <a:endParaRPr lang="en-US"/>
+          </a:p>
+        </p:txBody>
+      </p:sp>
+    </p:spTree>
+    <p:extLst>
+      <p:ext uri="{BB962C8B-B14F-4D97-AF65-F5344CB8AC3E}">
+        <p14:creationId xmlns:p14="http://schemas.microsoft.com/office/powerpoint/2010/main" val="2190978718"/>
+      </p:ext>
+    </p:extLst>
+  </p:cSld>
+  <p:clrMapOvr>
+    <a:masterClrMapping/>
+  </p:clrMapOvr>
+</p:sld>
+</file>
+
+<file path=ppt/slides/slide13.xml><?xml version="1.0" encoding="utf-8"?>
 <p:sld xmlns:a="http://schemas.openxmlformats.org/drawingml/2006/main" xmlns:r="http://schemas.openxmlformats.org/officeDocument/2006/relationships" xmlns:p="http://schemas.openxmlformats.org/presentationml/2006/main">
   <p:cSld>
     <p:spTree>
@@ -6377,7 +6501,10 @@
           <a:bodyPr/>
           <a:lstStyle/>
           <a:p>
-            <a:endParaRPr lang="en-US"/>
+            <a:r>
+              <a:rPr lang="en-US" dirty="0"/>
+              <a:t>Machine Learning helps answer a range of questions</a:t>
+            </a:r>
           </a:p>
         </p:txBody>
       </p:sp>
